--- a/Docs/instinct4.0ppt.pptx
+++ b/Docs/instinct4.0ppt.pptx
@@ -116,6 +116,11 @@
       </a:defRPr>
     </a:lvl9pPr>
   </p:defaultTextStyle>
+  <p:extLst>
+    <p:ext uri="{EFAFB233-063F-42B5-8137-9DF3F51BA10A}">
+      <p15:sldGuideLst xmlns:p15="http://schemas.microsoft.com/office/powerpoint/2012/main"/>
+    </p:ext>
+  </p:extLst>
 </p:presentation>
 </file>
 
@@ -201,7 +206,7 @@
           <a:p>
             <a:fld id="{9E2A56CA-382B-4698-A59E-64B4593C308A}" type="datetimeFigureOut">
               <a:rPr lang="en-IN" smtClean="0"/>
-              <a:t>06-12-2025</a:t>
+              <a:t>07-12-2025</a:t>
             </a:fld>
             <a:endParaRPr lang="en-IN"/>
           </a:p>
@@ -1658,7 +1663,7 @@
           <a:p>
             <a:fld id="{85CF9DCC-0C93-4A34-ACC3-ACF925EECC2F}" type="datetimeFigureOut">
               <a:rPr lang="en-IN" smtClean="0"/>
-              <a:t>06-12-2025</a:t>
+              <a:t>07-12-2025</a:t>
             </a:fld>
             <a:endParaRPr lang="en-IN"/>
           </a:p>
@@ -1858,7 +1863,7 @@
           <a:p>
             <a:fld id="{85CF9DCC-0C93-4A34-ACC3-ACF925EECC2F}" type="datetimeFigureOut">
               <a:rPr lang="en-IN" smtClean="0"/>
-              <a:t>06-12-2025</a:t>
+              <a:t>07-12-2025</a:t>
             </a:fld>
             <a:endParaRPr lang="en-IN"/>
           </a:p>
@@ -2068,7 +2073,7 @@
           <a:p>
             <a:fld id="{85CF9DCC-0C93-4A34-ACC3-ACF925EECC2F}" type="datetimeFigureOut">
               <a:rPr lang="en-IN" smtClean="0"/>
-              <a:t>06-12-2025</a:t>
+              <a:t>07-12-2025</a:t>
             </a:fld>
             <a:endParaRPr lang="en-IN"/>
           </a:p>
@@ -2268,7 +2273,7 @@
           <a:p>
             <a:fld id="{85CF9DCC-0C93-4A34-ACC3-ACF925EECC2F}" type="datetimeFigureOut">
               <a:rPr lang="en-IN" smtClean="0"/>
-              <a:t>06-12-2025</a:t>
+              <a:t>07-12-2025</a:t>
             </a:fld>
             <a:endParaRPr lang="en-IN"/>
           </a:p>
@@ -2544,7 +2549,7 @@
           <a:p>
             <a:fld id="{85CF9DCC-0C93-4A34-ACC3-ACF925EECC2F}" type="datetimeFigureOut">
               <a:rPr lang="en-IN" smtClean="0"/>
-              <a:t>06-12-2025</a:t>
+              <a:t>07-12-2025</a:t>
             </a:fld>
             <a:endParaRPr lang="en-IN"/>
           </a:p>
@@ -2812,7 +2817,7 @@
           <a:p>
             <a:fld id="{85CF9DCC-0C93-4A34-ACC3-ACF925EECC2F}" type="datetimeFigureOut">
               <a:rPr lang="en-IN" smtClean="0"/>
-              <a:t>06-12-2025</a:t>
+              <a:t>07-12-2025</a:t>
             </a:fld>
             <a:endParaRPr lang="en-IN"/>
           </a:p>
@@ -3227,7 +3232,7 @@
           <a:p>
             <a:fld id="{85CF9DCC-0C93-4A34-ACC3-ACF925EECC2F}" type="datetimeFigureOut">
               <a:rPr lang="en-IN" smtClean="0"/>
-              <a:t>06-12-2025</a:t>
+              <a:t>07-12-2025</a:t>
             </a:fld>
             <a:endParaRPr lang="en-IN"/>
           </a:p>
@@ -3369,7 +3374,7 @@
           <a:p>
             <a:fld id="{85CF9DCC-0C93-4A34-ACC3-ACF925EECC2F}" type="datetimeFigureOut">
               <a:rPr lang="en-IN" smtClean="0"/>
-              <a:t>06-12-2025</a:t>
+              <a:t>07-12-2025</a:t>
             </a:fld>
             <a:endParaRPr lang="en-IN"/>
           </a:p>
@@ -3482,7 +3487,7 @@
           <a:p>
             <a:fld id="{85CF9DCC-0C93-4A34-ACC3-ACF925EECC2F}" type="datetimeFigureOut">
               <a:rPr lang="en-IN" smtClean="0"/>
-              <a:t>06-12-2025</a:t>
+              <a:t>07-12-2025</a:t>
             </a:fld>
             <a:endParaRPr lang="en-IN"/>
           </a:p>
@@ -3795,7 +3800,7 @@
           <a:p>
             <a:fld id="{85CF9DCC-0C93-4A34-ACC3-ACF925EECC2F}" type="datetimeFigureOut">
               <a:rPr lang="en-IN" smtClean="0"/>
-              <a:t>06-12-2025</a:t>
+              <a:t>07-12-2025</a:t>
             </a:fld>
             <a:endParaRPr lang="en-IN"/>
           </a:p>
@@ -4084,7 +4089,7 @@
           <a:p>
             <a:fld id="{85CF9DCC-0C93-4A34-ACC3-ACF925EECC2F}" type="datetimeFigureOut">
               <a:rPr lang="en-IN" smtClean="0"/>
-              <a:t>06-12-2025</a:t>
+              <a:t>07-12-2025</a:t>
             </a:fld>
             <a:endParaRPr lang="en-IN"/>
           </a:p>
@@ -4327,7 +4332,7 @@
           <a:p>
             <a:fld id="{85CF9DCC-0C93-4A34-ACC3-ACF925EECC2F}" type="datetimeFigureOut">
               <a:rPr lang="en-IN" smtClean="0"/>
-              <a:t>06-12-2025</a:t>
+              <a:t>07-12-2025</a:t>
             </a:fld>
             <a:endParaRPr lang="en-IN"/>
           </a:p>
@@ -4746,109 +4751,13 @@
       </p:grpSpPr>
       <p:sp>
         <p:nvSpPr>
-          <p:cNvPr id="54" name="Google Shape;54;p13"/>
-          <p:cNvSpPr txBox="1">
-            <a:spLocks noGrp="1"/>
-          </p:cNvSpPr>
-          <p:nvPr>
-            <p:ph type="ctrTitle"/>
-          </p:nvPr>
-        </p:nvSpPr>
-        <p:spPr>
-          <a:xfrm>
-            <a:off x="415611" y="992767"/>
-            <a:ext cx="11360800" cy="2736800"/>
-          </a:xfrm>
-          <a:prstGeom prst="rect">
-            <a:avLst/>
-          </a:prstGeom>
-        </p:spPr>
-        <p:txBody>
-          <a:bodyPr spcFirstLastPara="1" vert="horz" wrap="square" lIns="121900" tIns="121900" rIns="121900" bIns="121900" rtlCol="0" anchor="b" anchorCtr="0">
-            <a:normAutofit/>
-          </a:bodyPr>
-          <a:lstStyle/>
-          <a:p>
-            <a:pPr>
-              <a:spcBef>
-                <a:spcPts val="0"/>
-              </a:spcBef>
-            </a:pPr>
-            <a:endParaRPr/>
-          </a:p>
-        </p:txBody>
-      </p:sp>
-      <p:sp>
-        <p:nvSpPr>
-          <p:cNvPr id="55" name="Google Shape;55;p13"/>
-          <p:cNvSpPr txBox="1">
-            <a:spLocks noGrp="1"/>
-          </p:cNvSpPr>
-          <p:nvPr>
-            <p:ph type="subTitle" idx="1"/>
-          </p:nvPr>
-        </p:nvSpPr>
-        <p:spPr>
-          <a:xfrm>
-            <a:off x="415600" y="3778833"/>
-            <a:ext cx="11360800" cy="1056800"/>
-          </a:xfrm>
-          <a:prstGeom prst="rect">
-            <a:avLst/>
-          </a:prstGeom>
-        </p:spPr>
-        <p:txBody>
-          <a:bodyPr spcFirstLastPara="1" vert="horz" wrap="square" lIns="121900" tIns="121900" rIns="121900" bIns="121900" rtlCol="0" anchor="t" anchorCtr="0">
-            <a:normAutofit/>
-          </a:bodyPr>
-          <a:lstStyle/>
-          <a:p>
-            <a:pPr>
-              <a:spcBef>
-                <a:spcPts val="0"/>
-              </a:spcBef>
-            </a:pPr>
-            <a:endParaRPr/>
-          </a:p>
-        </p:txBody>
-      </p:sp>
-      <p:pic>
-        <p:nvPicPr>
-          <p:cNvPr id="56" name="Google Shape;56;p13" title="Instinct.S1.png"/>
-          <p:cNvPicPr preferRelativeResize="0"/>
-          <p:nvPr/>
-        </p:nvPicPr>
-        <p:blipFill>
-          <a:blip r:embed="rId3">
-            <a:alphaModFix/>
-          </a:blip>
-          <a:stretch>
-            <a:fillRect/>
-          </a:stretch>
-        </p:blipFill>
-        <p:spPr>
-          <a:xfrm>
-            <a:off x="0" y="0"/>
-            <a:ext cx="12192000" cy="6858000"/>
-          </a:xfrm>
-          <a:prstGeom prst="rect">
-            <a:avLst/>
-          </a:prstGeom>
-          <a:noFill/>
-          <a:ln>
-            <a:noFill/>
-          </a:ln>
-        </p:spPr>
-      </p:pic>
-      <p:sp>
-        <p:nvSpPr>
           <p:cNvPr id="57" name="Google Shape;57;p13"/>
           <p:cNvSpPr/>
           <p:nvPr/>
         </p:nvSpPr>
         <p:spPr>
           <a:xfrm>
-            <a:off x="0" y="3517233"/>
+            <a:off x="0" y="2219588"/>
             <a:ext cx="12192000" cy="261600"/>
           </a:xfrm>
           <a:prstGeom prst="rect">
@@ -4890,7 +4799,7 @@
         </p:nvSpPr>
         <p:spPr>
           <a:xfrm>
-            <a:off x="415600" y="4255764"/>
+            <a:off x="303632" y="2596518"/>
             <a:ext cx="11360800" cy="591600"/>
           </a:xfrm>
           <a:prstGeom prst="rect">
@@ -4913,6 +4822,18 @@
               </a:lnSpc>
             </a:pPr>
             <a:r>
+              <a:rPr lang="en-GB" sz="2267" b="1" dirty="0">
+                <a:solidFill>
+                  <a:srgbClr val="202729"/>
+                </a:solidFill>
+                <a:latin typeface="Poppins Medium"/>
+                <a:ea typeface="Poppins Medium"/>
+                <a:cs typeface="Poppins Medium"/>
+                <a:sym typeface="Poppins Medium"/>
+              </a:rPr>
+              <a:t>Team Name </a:t>
+            </a:r>
+            <a:r>
               <a:rPr lang="en-GB" sz="2267" dirty="0">
                 <a:solidFill>
                   <a:srgbClr val="202729"/>
@@ -4922,7 +4843,7 @@
                 <a:cs typeface="Poppins Medium"/>
                 <a:sym typeface="Poppins Medium"/>
               </a:rPr>
-              <a:t>Team Name : </a:t>
+              <a:t>: </a:t>
             </a:r>
             <a:r>
               <a:rPr lang="en-GB" sz="2267" dirty="0" err="1">
@@ -4956,8 +4877,8 @@
         </p:nvSpPr>
         <p:spPr>
           <a:xfrm>
-            <a:off x="415584" y="4889260"/>
-            <a:ext cx="11360800" cy="591600"/>
+            <a:off x="303632" y="2988102"/>
+            <a:ext cx="11360800" cy="548201"/>
           </a:xfrm>
           <a:prstGeom prst="rect">
             <a:avLst/>
@@ -4979,6 +4900,18 @@
               </a:lnSpc>
             </a:pPr>
             <a:r>
+              <a:rPr lang="en-GB" sz="2267" b="1" dirty="0">
+                <a:solidFill>
+                  <a:srgbClr val="202729"/>
+                </a:solidFill>
+                <a:latin typeface="Poppins Medium"/>
+                <a:ea typeface="Poppins Medium"/>
+                <a:cs typeface="Poppins Medium"/>
+                <a:sym typeface="Poppins Medium"/>
+              </a:rPr>
+              <a:t>Team Leader Name </a:t>
+            </a:r>
+            <a:r>
               <a:rPr lang="en-GB" sz="2267" dirty="0">
                 <a:solidFill>
                   <a:srgbClr val="202729"/>
@@ -4988,7 +4921,7 @@
                 <a:cs typeface="Poppins Medium"/>
                 <a:sym typeface="Poppins Medium"/>
               </a:rPr>
-              <a:t>Team Leader Name :Sriram Lohith</a:t>
+              <a:t>: Sriram Lohith</a:t>
             </a:r>
             <a:endParaRPr sz="2267" dirty="0">
               <a:solidFill>
@@ -5010,8 +4943,8 @@
         </p:nvSpPr>
         <p:spPr>
           <a:xfrm>
-            <a:off x="415607" y="5522747"/>
-            <a:ext cx="11360800" cy="544800"/>
+            <a:off x="303632" y="3388134"/>
+            <a:ext cx="11360800" cy="2732747"/>
           </a:xfrm>
           <a:prstGeom prst="rect">
             <a:avLst/>
@@ -5033,6 +4966,18 @@
               </a:lnSpc>
             </a:pPr>
             <a:r>
+              <a:rPr lang="en-GB" sz="2267" b="1" dirty="0">
+                <a:solidFill>
+                  <a:srgbClr val="202729"/>
+                </a:solidFill>
+                <a:latin typeface="Poppins Medium"/>
+                <a:ea typeface="Poppins Medium"/>
+                <a:cs typeface="Poppins Medium"/>
+                <a:sym typeface="Poppins Medium"/>
+              </a:rPr>
+              <a:t>Problem Statement </a:t>
+            </a:r>
+            <a:r>
               <a:rPr lang="en-GB" sz="2267" dirty="0">
                 <a:solidFill>
                   <a:srgbClr val="202729"/>
@@ -5042,24 +4987,184 @@
                 <a:cs typeface="Poppins Medium"/>
                 <a:sym typeface="Poppins Medium"/>
               </a:rPr>
-              <a:t>Problem Statement : </a:t>
-            </a:r>
-            <a:r>
-              <a:rPr lang="en-IN" b="1" dirty="0"/>
-              <a:t>Smart Metering Super App: Unified Platform for Consumers</a:t>
+              <a:t>: Development of </a:t>
+            </a:r>
+            <a:r>
+              <a:rPr lang="en-IN" sz="2267" dirty="0">
+                <a:solidFill>
+                  <a:srgbClr val="202729"/>
+                </a:solidFill>
+                <a:latin typeface="Poppins Medium"/>
+              </a:rPr>
+              <a:t>Unified Platform for Consumers -</a:t>
+            </a:r>
+            <a:r>
+              <a:rPr lang="en-US" sz="2267" dirty="0">
+                <a:solidFill>
+                  <a:srgbClr val="202729"/>
+                </a:solidFill>
+                <a:latin typeface="Poppins Medium"/>
+              </a:rPr>
+              <a:t> A single integrated platform that combines smart metering data with connected appliance management, enabling consumers to:</a:t>
+            </a:r>
+          </a:p>
+          <a:p>
+            <a:pPr>
+              <a:lnSpc>
+                <a:spcPct val="70000"/>
+              </a:lnSpc>
+            </a:pPr>
+            <a:endParaRPr lang="en-US" sz="2267" dirty="0">
+              <a:solidFill>
+                <a:srgbClr val="202729"/>
+              </a:solidFill>
+              <a:latin typeface="Poppins Medium"/>
+            </a:endParaRPr>
+          </a:p>
+          <a:p>
+            <a:pPr marL="342900" indent="-342900">
+              <a:lnSpc>
+                <a:spcPct val="70000"/>
+              </a:lnSpc>
+              <a:buFont typeface="Arial" panose="020B0604020202020204" pitchFamily="34" charset="0"/>
+              <a:buChar char="•"/>
+            </a:pPr>
+            <a:r>
+              <a:rPr lang="en-US" sz="2267" dirty="0">
+                <a:solidFill>
+                  <a:srgbClr val="202729"/>
+                </a:solidFill>
+                <a:latin typeface="Poppins Medium"/>
+              </a:rPr>
+              <a:t>Monitor real-time energy usage.</a:t>
+            </a:r>
+          </a:p>
+          <a:p>
+            <a:pPr marL="342900" indent="-342900">
+              <a:lnSpc>
+                <a:spcPct val="70000"/>
+              </a:lnSpc>
+              <a:buFont typeface="Arial" panose="020B0604020202020204" pitchFamily="34" charset="0"/>
+              <a:buChar char="•"/>
+            </a:pPr>
+            <a:r>
+              <a:rPr lang="en-US" sz="2267" dirty="0">
+                <a:solidFill>
+                  <a:srgbClr val="202729"/>
+                </a:solidFill>
+                <a:latin typeface="Poppins Medium"/>
+              </a:rPr>
+              <a:t>Control appliances (turn ON/OFF, schedule operations).</a:t>
+            </a:r>
+          </a:p>
+          <a:p>
+            <a:pPr marL="342900" indent="-342900">
+              <a:lnSpc>
+                <a:spcPct val="70000"/>
+              </a:lnSpc>
+              <a:buFont typeface="Arial" panose="020B0604020202020204" pitchFamily="34" charset="0"/>
+              <a:buChar char="•"/>
+            </a:pPr>
+            <a:r>
+              <a:rPr lang="en-US" sz="2267" dirty="0">
+                <a:solidFill>
+                  <a:srgbClr val="202729"/>
+                </a:solidFill>
+                <a:latin typeface="Poppins Medium"/>
+              </a:rPr>
+              <a:t>Optimize consumption using time-of-day tariffs and smart recommendations.</a:t>
+            </a:r>
+          </a:p>
+          <a:p>
+            <a:pPr marL="342900" indent="-342900">
+              <a:lnSpc>
+                <a:spcPct val="70000"/>
+              </a:lnSpc>
+              <a:buFont typeface="Arial" panose="020B0604020202020204" pitchFamily="34" charset="0"/>
+              <a:buChar char="•"/>
+            </a:pPr>
+            <a:r>
+              <a:rPr lang="en-US" sz="2267" dirty="0">
+                <a:solidFill>
+                  <a:srgbClr val="202729"/>
+                </a:solidFill>
+                <a:latin typeface="Poppins Medium"/>
+              </a:rPr>
+              <a:t>Gain visibility on energy savings and carbon footprint.</a:t>
             </a:r>
             <a:endParaRPr sz="2267" dirty="0">
               <a:solidFill>
                 <a:srgbClr val="202729"/>
               </a:solidFill>
               <a:latin typeface="Poppins Medium"/>
-              <a:ea typeface="Poppins Medium"/>
-              <a:cs typeface="Poppins Medium"/>
               <a:sym typeface="Poppins Medium"/>
             </a:endParaRPr>
           </a:p>
         </p:txBody>
       </p:sp>
+      <p:pic>
+        <p:nvPicPr>
+          <p:cNvPr id="9" name="Google Shape;65;p14" title="Instinct.S2.png">
+            <a:extLst>
+              <a:ext uri="{FF2B5EF4-FFF2-40B4-BE49-F238E27FC236}">
+                <a16:creationId xmlns:a16="http://schemas.microsoft.com/office/drawing/2014/main" id="{720528FE-28CD-4378-A7F1-5E4E135FCE63}"/>
+              </a:ext>
+            </a:extLst>
+          </p:cNvPr>
+          <p:cNvPicPr preferRelativeResize="0"/>
+          <p:nvPr/>
+        </p:nvPicPr>
+        <p:blipFill rotWithShape="1">
+          <a:blip r:embed="rId3">
+            <a:alphaModFix/>
+          </a:blip>
+          <a:srcRect b="89923"/>
+          <a:stretch/>
+        </p:blipFill>
+        <p:spPr>
+          <a:xfrm>
+            <a:off x="0" y="-10973"/>
+            <a:ext cx="12192000" cy="691035"/>
+          </a:xfrm>
+          <a:prstGeom prst="rect">
+            <a:avLst/>
+          </a:prstGeom>
+          <a:noFill/>
+          <a:ln>
+            <a:noFill/>
+          </a:ln>
+        </p:spPr>
+      </p:pic>
+      <p:pic>
+        <p:nvPicPr>
+          <p:cNvPr id="5" name="Picture 4">
+            <a:extLst>
+              <a:ext uri="{FF2B5EF4-FFF2-40B4-BE49-F238E27FC236}">
+                <a16:creationId xmlns:a16="http://schemas.microsoft.com/office/drawing/2014/main" id="{A929F36D-EC30-4CB9-A078-EE45081BD048}"/>
+              </a:ext>
+            </a:extLst>
+          </p:cNvPr>
+          <p:cNvPicPr>
+            <a:picLocks noChangeAspect="1"/>
+          </p:cNvPicPr>
+          <p:nvPr/>
+        </p:nvPicPr>
+        <p:blipFill>
+          <a:blip r:embed="rId4"/>
+          <a:stretch>
+            <a:fillRect/>
+          </a:stretch>
+        </p:blipFill>
+        <p:spPr>
+          <a:xfrm>
+            <a:off x="116244" y="723123"/>
+            <a:ext cx="3543300" cy="1457325"/>
+          </a:xfrm>
+          <a:prstGeom prst="rect">
+            <a:avLst/>
+          </a:prstGeom>
+        </p:spPr>
+      </p:pic>
     </p:spTree>
   </p:cSld>
   <p:clrMapOvr>
@@ -5213,8 +5318,8 @@
         </p:nvSpPr>
         <p:spPr bwMode="auto">
           <a:xfrm>
-            <a:off x="314000" y="1574646"/>
-            <a:ext cx="11055040" cy="3708708"/>
+            <a:off x="314000" y="2413605"/>
+            <a:ext cx="11055040" cy="3262432"/>
           </a:xfrm>
           <a:prstGeom prst="rect">
             <a:avLst/>
@@ -5275,35 +5380,19 @@
               <a:buClrTx/>
               <a:buSzTx/>
               <a:buFontTx/>
-              <a:buNone/>
+              <a:buChar char="•"/>
               <a:tabLst/>
             </a:pPr>
-            <a:r>
-              <a:rPr kumimoji="0" lang="en-US" altLang="en-US" sz="2800" b="1" i="0" u="none" strike="noStrike" cap="none" normalizeH="0" baseline="0" dirty="0" err="1">
-                <a:ln>
-                  <a:noFill/>
-                </a:ln>
-                <a:solidFill>
-                  <a:schemeClr val="tx1"/>
-                </a:solidFill>
-                <a:effectLst/>
-                <a:latin typeface="Arial" panose="020B0604020202020204" pitchFamily="34" charset="0"/>
-              </a:rPr>
-              <a:t>EnergiSync</a:t>
-            </a:r>
-            <a:r>
-              <a:rPr kumimoji="0" lang="en-US" altLang="en-US" sz="2800" b="1" i="0" u="none" strike="noStrike" cap="none" normalizeH="0" baseline="0" dirty="0">
-                <a:ln>
-                  <a:noFill/>
-                </a:ln>
-                <a:solidFill>
-                  <a:schemeClr val="tx1"/>
-                </a:solidFill>
-                <a:effectLst/>
-                <a:latin typeface="Arial" panose="020B0604020202020204" pitchFamily="34" charset="0"/>
-              </a:rPr>
-              <a:t>: The Unified, Intelligent Super App</a:t>
-            </a:r>
+            <a:endParaRPr kumimoji="0" lang="en-US" altLang="en-US" sz="800" b="1" i="0" u="none" strike="noStrike" cap="none" normalizeH="0" baseline="0" dirty="0">
+              <a:ln>
+                <a:noFill/>
+              </a:ln>
+              <a:solidFill>
+                <a:schemeClr val="tx1"/>
+              </a:solidFill>
+              <a:effectLst/>
+              <a:latin typeface="Arial" panose="020B0604020202020204" pitchFamily="34" charset="0"/>
+            </a:endParaRPr>
           </a:p>
           <a:p>
             <a:pPr marL="0" marR="0" lvl="0" indent="0" algn="l" defTabSz="914400" rtl="0" eaLnBrk="0" fontAlgn="base" latinLnBrk="0" hangingPunct="0">
@@ -5322,16 +5411,45 @@
               <a:buChar char="•"/>
               <a:tabLst/>
             </a:pPr>
-            <a:endParaRPr kumimoji="0" lang="en-US" altLang="en-US" sz="800" b="1" i="0" u="none" strike="noStrike" cap="none" normalizeH="0" baseline="0" dirty="0">
-              <a:ln>
-                <a:noFill/>
-              </a:ln>
-              <a:solidFill>
-                <a:schemeClr val="tx1"/>
-              </a:solidFill>
-              <a:effectLst/>
-              <a:latin typeface="Arial" panose="020B0604020202020204" pitchFamily="34" charset="0"/>
-            </a:endParaRPr>
+            <a:r>
+              <a:rPr kumimoji="0" lang="en-US" altLang="en-US" b="1" i="0" u="none" strike="noStrike" cap="none" normalizeH="0" baseline="0" dirty="0">
+                <a:ln>
+                  <a:noFill/>
+                </a:ln>
+                <a:solidFill>
+                  <a:schemeClr val="tx1"/>
+                </a:solidFill>
+                <a:effectLst/>
+                <a:latin typeface="Arial" panose="020B0604020202020204" pitchFamily="34" charset="0"/>
+              </a:rPr>
+              <a:t>Core Vision:</a:t>
+            </a:r>
+            <a:r>
+              <a:rPr kumimoji="0" lang="en-US" altLang="en-US" b="0" i="0" u="none" strike="noStrike" cap="none" normalizeH="0" baseline="0" dirty="0">
+                <a:ln>
+                  <a:noFill/>
+                </a:ln>
+                <a:solidFill>
+                  <a:schemeClr val="tx1"/>
+                </a:solidFill>
+                <a:effectLst/>
+                <a:latin typeface="Arial" panose="020B0604020202020204" pitchFamily="34" charset="0"/>
+              </a:rPr>
+              <a:t> </a:t>
+            </a:r>
+            <a:r>
+              <a:rPr kumimoji="0" lang="en-US" altLang="en-US" sz="1800" b="0" i="0" u="none" strike="noStrike" cap="none" normalizeH="0" baseline="0" dirty="0">
+                <a:ln>
+                  <a:noFill/>
+                </a:ln>
+                <a:solidFill>
+                  <a:schemeClr val="tx1"/>
+                </a:solidFill>
+                <a:effectLst/>
+                <a:latin typeface="Arial" panose="020B0604020202020204" pitchFamily="34" charset="0"/>
+              </a:rPr>
+              <a:t>A single, Super App that unifies smart meter data, connected appliance insights, and home automation controls.</a:t>
+            </a:r>
           </a:p>
           <a:p>
             <a:pPr marL="0" marR="0" lvl="0" indent="0" algn="l" defTabSz="914400" rtl="0" eaLnBrk="0" fontAlgn="base" latinLnBrk="0" hangingPunct="0">
@@ -5351,7 +5469,7 @@
               <a:tabLst/>
             </a:pPr>
             <a:r>
-              <a:rPr kumimoji="0" lang="en-US" altLang="en-US" b="1" i="0" u="none" strike="noStrike" cap="none" normalizeH="0" baseline="0" dirty="0">
+              <a:rPr kumimoji="0" lang="en-US" altLang="en-US" sz="1800" b="1" i="0" u="none" strike="noStrike" cap="none" normalizeH="0" baseline="0" dirty="0">
                 <a:ln>
                   <a:noFill/>
                 </a:ln>
@@ -5361,20 +5479,7 @@
                 <a:effectLst/>
                 <a:latin typeface="Arial" panose="020B0604020202020204" pitchFamily="34" charset="0"/>
               </a:rPr>
-              <a:t>Core Vision:</a:t>
-            </a:r>
-            <a:r>
-              <a:rPr kumimoji="0" lang="en-US" altLang="en-US" b="0" i="0" u="none" strike="noStrike" cap="none" normalizeH="0" baseline="0" dirty="0">
-                <a:ln>
-                  <a:noFill/>
-                </a:ln>
-                <a:solidFill>
-                  <a:schemeClr val="tx1"/>
-                </a:solidFill>
-                <a:effectLst/>
-                <a:latin typeface="Arial" panose="020B0604020202020204" pitchFamily="34" charset="0"/>
-              </a:rPr>
-              <a:t> </a:t>
+              <a:t>Proactive Orchestration:</a:t>
             </a:r>
             <a:r>
               <a:rPr kumimoji="0" lang="en-US" altLang="en-US" sz="1800" b="0" i="0" u="none" strike="noStrike" cap="none" normalizeH="0" baseline="0" dirty="0">
@@ -5387,7 +5492,7 @@
                 <a:effectLst/>
                 <a:latin typeface="Arial" panose="020B0604020202020204" pitchFamily="34" charset="0"/>
               </a:rPr>
-              <a:t>A single, Super App that unifies smart meter data, connected appliance insights, and home automation controls.</a:t>
+              <a:t> Moves beyond simple monitoring to actively optimize energy consumption in real time using AI.</a:t>
             </a:r>
           </a:p>
           <a:p>
@@ -5418,7 +5523,7 @@
                 <a:effectLst/>
                 <a:latin typeface="Arial" panose="020B0604020202020204" pitchFamily="34" charset="0"/>
               </a:rPr>
-              <a:t>Proactive Orchestration:</a:t>
+              <a:t>Consumer Empowerment:</a:t>
             </a:r>
             <a:r>
               <a:rPr kumimoji="0" lang="en-US" altLang="en-US" sz="1800" b="0" i="0" u="none" strike="noStrike" cap="none" normalizeH="0" baseline="0" dirty="0">
@@ -5431,7 +5536,7 @@
                 <a:effectLst/>
                 <a:latin typeface="Arial" panose="020B0604020202020204" pitchFamily="34" charset="0"/>
               </a:rPr>
-              <a:t> Moves beyond simple monitoring to actively optimize energy consumption in real time using AI.</a:t>
+              <a:t> Provides real-time control, visibility on energy costs, and tracking of sustainability impact (carbon footprint).</a:t>
             </a:r>
           </a:p>
           <a:p>
@@ -5452,6 +5557,19 @@
               <a:tabLst/>
             </a:pPr>
             <a:r>
+              <a:rPr kumimoji="0" lang="en-US" altLang="en-US" sz="1800" b="1" i="0" u="none" strike="noStrike" cap="none" normalizeH="0" baseline="0" dirty="0" err="1">
+                <a:ln>
+                  <a:noFill/>
+                </a:ln>
+                <a:solidFill>
+                  <a:schemeClr val="tx1"/>
+                </a:solidFill>
+                <a:effectLst/>
+                <a:latin typeface="Arial" panose="020B0604020202020204" pitchFamily="34" charset="0"/>
+              </a:rPr>
+              <a:t>PoC</a:t>
+            </a:r>
+            <a:r>
               <a:rPr kumimoji="0" lang="en-US" altLang="en-US" sz="1800" b="1" i="0" u="none" strike="noStrike" cap="none" normalizeH="0" baseline="0" dirty="0">
                 <a:ln>
                   <a:noFill/>
@@ -5462,51 +5580,7 @@
                 <a:effectLst/>
                 <a:latin typeface="Arial" panose="020B0604020202020204" pitchFamily="34" charset="0"/>
               </a:rPr>
-              <a:t>Consumer Empowerment:</a:t>
-            </a:r>
-            <a:r>
-              <a:rPr kumimoji="0" lang="en-US" altLang="en-US" sz="1800" b="0" i="0" u="none" strike="noStrike" cap="none" normalizeH="0" baseline="0" dirty="0">
-                <a:ln>
-                  <a:noFill/>
-                </a:ln>
-                <a:solidFill>
-                  <a:schemeClr val="tx1"/>
-                </a:solidFill>
-                <a:effectLst/>
-                <a:latin typeface="Arial" panose="020B0604020202020204" pitchFamily="34" charset="0"/>
-              </a:rPr>
-              <a:t> Provides real-time control, visibility on energy costs, and tracking of sustainability impact (carbon footprint).</a:t>
-            </a:r>
-          </a:p>
-          <a:p>
-            <a:pPr marL="0" marR="0" lvl="0" indent="0" algn="l" defTabSz="914400" rtl="0" eaLnBrk="0" fontAlgn="base" latinLnBrk="0" hangingPunct="0">
-              <a:lnSpc>
-                <a:spcPct val="100000"/>
-              </a:lnSpc>
-              <a:spcBef>
-                <a:spcPct val="0"/>
-              </a:spcBef>
-              <a:spcAft>
-                <a:spcPct val="0"/>
-              </a:spcAft>
-              <a:buClrTx/>
-              <a:buSzTx/>
-              <a:buFontTx/>
-              <a:buChar char="•"/>
-              <a:tabLst/>
-            </a:pPr>
-            <a:r>
-              <a:rPr kumimoji="0" lang="en-US" altLang="en-US" sz="1800" b="1" i="0" u="none" strike="noStrike" cap="none" normalizeH="0" baseline="0" dirty="0">
-                <a:ln>
-                  <a:noFill/>
-                </a:ln>
-                <a:solidFill>
-                  <a:schemeClr val="tx1"/>
-                </a:solidFill>
-                <a:effectLst/>
-                <a:latin typeface="Arial" panose="020B0604020202020204" pitchFamily="34" charset="0"/>
-              </a:rPr>
-              <a:t>PoC Structure:</a:t>
+              <a:t> Structure:</a:t>
             </a:r>
             <a:r>
               <a:rPr kumimoji="0" lang="en-US" altLang="en-US" sz="1800" b="0" i="0" u="none" strike="noStrike" cap="none" normalizeH="0" baseline="0" dirty="0">
@@ -5652,6 +5726,104 @@
           </a:prstGeom>
         </p:spPr>
       </p:pic>
+      <p:sp>
+        <p:nvSpPr>
+          <p:cNvPr id="7" name="Google Shape;57;p13">
+            <a:extLst>
+              <a:ext uri="{FF2B5EF4-FFF2-40B4-BE49-F238E27FC236}">
+                <a16:creationId xmlns:a16="http://schemas.microsoft.com/office/drawing/2014/main" id="{DC7C51B3-B9FC-482C-B6E0-49576D3B96BB}"/>
+              </a:ext>
+            </a:extLst>
+          </p:cNvPr>
+          <p:cNvSpPr/>
+          <p:nvPr/>
+        </p:nvSpPr>
+        <p:spPr>
+          <a:xfrm>
+            <a:off x="0" y="1801625"/>
+            <a:ext cx="12192000" cy="261600"/>
+          </a:xfrm>
+          <a:prstGeom prst="rect">
+            <a:avLst/>
+          </a:prstGeom>
+          <a:solidFill>
+            <a:srgbClr val="081D54"/>
+          </a:solidFill>
+          <a:ln w="9525" cap="flat" cmpd="sng">
+            <a:solidFill>
+              <a:schemeClr val="dk2"/>
+            </a:solidFill>
+            <a:prstDash val="solid"/>
+            <a:round/>
+            <a:headEnd type="none" w="sm" len="sm"/>
+            <a:tailEnd type="none" w="sm" len="sm"/>
+          </a:ln>
+        </p:spPr>
+        <p:txBody>
+          <a:bodyPr spcFirstLastPara="1" wrap="square" lIns="121900" tIns="121900" rIns="121900" bIns="121900" anchor="ctr" anchorCtr="0">
+            <a:noAutofit/>
+          </a:bodyPr>
+          <a:lstStyle/>
+          <a:p>
+            <a:pPr algn="ctr"/>
+            <a:endParaRPr sz="2400">
+              <a:solidFill>
+                <a:srgbClr val="666666"/>
+              </a:solidFill>
+            </a:endParaRPr>
+          </a:p>
+        </p:txBody>
+      </p:sp>
+      <p:sp>
+        <p:nvSpPr>
+          <p:cNvPr id="2" name="Rectangle 1">
+            <a:extLst>
+              <a:ext uri="{FF2B5EF4-FFF2-40B4-BE49-F238E27FC236}">
+                <a16:creationId xmlns:a16="http://schemas.microsoft.com/office/drawing/2014/main" id="{84CF6C72-7288-44E5-BF19-E9848690AD5B}"/>
+              </a:ext>
+            </a:extLst>
+          </p:cNvPr>
+          <p:cNvSpPr/>
+          <p:nvPr/>
+        </p:nvSpPr>
+        <p:spPr>
+          <a:xfrm>
+            <a:off x="314000" y="1168657"/>
+            <a:ext cx="5405665" cy="369332"/>
+          </a:xfrm>
+          <a:prstGeom prst="rect">
+            <a:avLst/>
+          </a:prstGeom>
+        </p:spPr>
+        <p:txBody>
+          <a:bodyPr wrap="square">
+            <a:spAutoFit/>
+          </a:bodyPr>
+          <a:lstStyle/>
+          <a:p>
+            <a:pPr lvl="0" eaLnBrk="0" fontAlgn="base" hangingPunct="0">
+              <a:spcBef>
+                <a:spcPct val="0"/>
+              </a:spcBef>
+              <a:spcAft>
+                <a:spcPct val="0"/>
+              </a:spcAft>
+            </a:pPr>
+            <a:r>
+              <a:rPr lang="en-US" altLang="en-US" b="1" dirty="0" err="1">
+                <a:latin typeface="Arial" panose="020B0604020202020204" pitchFamily="34" charset="0"/>
+              </a:rPr>
+              <a:t>EnergiSync</a:t>
+            </a:r>
+            <a:r>
+              <a:rPr lang="en-US" altLang="en-US" b="1" dirty="0">
+                <a:latin typeface="Arial" panose="020B0604020202020204" pitchFamily="34" charset="0"/>
+              </a:rPr>
+              <a:t>: The Unified, Intelligent Super App</a:t>
+            </a:r>
+          </a:p>
+        </p:txBody>
+      </p:sp>
     </p:spTree>
   </p:cSld>
   <p:clrMapOvr>
